--- a/git2.pptx
+++ b/git2.pptx
@@ -453,7 +453,7 @@
             <a:fld id="{5923F103-BC34-4FE4-A40E-EDDEECFDA5D0}" type="datetimeFigureOut">
               <a:rPr lang="en-US" dirty="0"/>
               <a:pPr/>
-              <a:t>5/18/2021</a:t>
+              <a:t>5/19/2021</a:t>
             </a:fld>
             <a:endParaRPr lang="en-US" dirty="0"/>
           </a:p>
@@ -1537,7 +1537,7 @@
           <a:p>
             <a:fld id="{923A1CC3-2375-41D4-9E03-427CAF2A4C1A}" type="datetimeFigureOut">
               <a:rPr lang="en-US" dirty="0"/>
-              <a:t>5/18/2021</a:t>
+              <a:t>5/19/2021</a:t>
             </a:fld>
             <a:endParaRPr lang="en-US" dirty="0"/>
           </a:p>
@@ -2513,7 +2513,7 @@
           <a:p>
             <a:fld id="{AFF16868-8199-4C2C-A5B1-63AEE139F88E}" type="datetimeFigureOut">
               <a:rPr lang="en-US" dirty="0"/>
-              <a:t>5/18/2021</a:t>
+              <a:t>5/19/2021</a:t>
             </a:fld>
             <a:endParaRPr lang="en-US" dirty="0"/>
           </a:p>
@@ -3643,7 +3643,7 @@
           <a:p>
             <a:fld id="{AAD9FF7F-6988-44CC-821B-644E70CD2F73}" type="datetimeFigureOut">
               <a:rPr lang="en-US" dirty="0"/>
-              <a:t>5/18/2021</a:t>
+              <a:t>5/19/2021</a:t>
             </a:fld>
             <a:endParaRPr lang="en-US" dirty="0"/>
           </a:p>
@@ -4672,7 +4672,7 @@
           <a:p>
             <a:fld id="{5C12C299-16B2-4475-990D-751901EACC14}" type="datetimeFigureOut">
               <a:rPr lang="en-US" dirty="0"/>
-              <a:t>5/18/2021</a:t>
+              <a:t>5/19/2021</a:t>
             </a:fld>
             <a:endParaRPr lang="en-US" dirty="0"/>
           </a:p>
@@ -5328,7 +5328,7 @@
           <a:p>
             <a:fld id="{9FE86839-B9D8-4651-8783-F325ECE74E65}" type="datetimeFigureOut">
               <a:rPr lang="en-US" dirty="0"/>
-              <a:t>5/18/2021</a:t>
+              <a:t>5/19/2021</a:t>
             </a:fld>
             <a:endParaRPr lang="en-US" dirty="0"/>
           </a:p>
@@ -6185,7 +6185,7 @@
           <a:p>
             <a:fld id="{FD484F64-32F6-45C5-931F-ADC1662401D0}" type="datetimeFigureOut">
               <a:rPr lang="en-US" dirty="0"/>
-              <a:t>5/18/2021</a:t>
+              <a:t>5/19/2021</a:t>
             </a:fld>
             <a:endParaRPr lang="en-US" dirty="0"/>
           </a:p>
@@ -6371,7 +6371,7 @@
           <a:p>
             <a:fld id="{53086D93-FCAC-47E0-A2EE-787E62CA814C}" type="datetimeFigureOut">
               <a:rPr lang="en-US" dirty="0"/>
-              <a:t>5/18/2021</a:t>
+              <a:t>5/19/2021</a:t>
             </a:fld>
             <a:endParaRPr lang="en-US" dirty="0"/>
           </a:p>
@@ -7339,7 +7339,7 @@
           <a:p>
             <a:fld id="{CDA879A6-0FD0-4734-A311-86BFCA472E6E}" type="datetimeFigureOut">
               <a:rPr lang="en-US" dirty="0"/>
-              <a:t>5/18/2021</a:t>
+              <a:t>5/19/2021</a:t>
             </a:fld>
             <a:endParaRPr lang="en-US" dirty="0"/>
           </a:p>
@@ -7546,7 +7546,7 @@
           <a:p>
             <a:fld id="{19C9CA7B-DFD4-44B5-8C60-D14B8CD1FB59}" type="datetimeFigureOut">
               <a:rPr lang="en-US" dirty="0"/>
-              <a:t>5/18/2021</a:t>
+              <a:t>5/19/2021</a:t>
             </a:fld>
             <a:endParaRPr lang="en-US" dirty="0"/>
           </a:p>
@@ -8576,7 +8576,7 @@
           <a:p>
             <a:fld id="{F34E6425-0181-43F2-84FC-787E803FD2F8}" type="datetimeFigureOut">
               <a:rPr lang="en-US" dirty="0"/>
-              <a:t>5/18/2021</a:t>
+              <a:t>5/19/2021</a:t>
             </a:fld>
             <a:endParaRPr lang="en-US" dirty="0"/>
           </a:p>
@@ -8844,7 +8844,7 @@
           <a:p>
             <a:fld id="{3BDB8791-F1B0-41E7-B7FD-A781E65C4266}" type="datetimeFigureOut">
               <a:rPr lang="en-US" dirty="0"/>
-              <a:t>5/18/2021</a:t>
+              <a:t>5/19/2021</a:t>
             </a:fld>
             <a:endParaRPr lang="en-US" dirty="0"/>
           </a:p>
@@ -9250,7 +9250,7 @@
           <a:p>
             <a:fld id="{5FDD63B2-E120-4ED8-B27B-C685F510A5FE}" type="datetimeFigureOut">
               <a:rPr lang="en-US" dirty="0"/>
-              <a:t>5/18/2021</a:t>
+              <a:t>5/19/2021</a:t>
             </a:fld>
             <a:endParaRPr lang="en-US" dirty="0"/>
           </a:p>
@@ -9373,7 +9373,7 @@
           <a:p>
             <a:fld id="{7AA18ACC-A947-437B-A130-35BD54FDF1E9}" type="datetimeFigureOut">
               <a:rPr lang="en-US" dirty="0"/>
-              <a:t>5/18/2021</a:t>
+              <a:t>5/19/2021</a:t>
             </a:fld>
             <a:endParaRPr lang="en-US" dirty="0"/>
           </a:p>
@@ -9464,7 +9464,7 @@
           <a:p>
             <a:fld id="{7C8D7E02-BCB8-4D50-A234-369438C08659}" type="datetimeFigureOut">
               <a:rPr lang="en-US" dirty="0"/>
-              <a:t>5/18/2021</a:t>
+              <a:t>5/19/2021</a:t>
             </a:fld>
             <a:endParaRPr lang="en-US" dirty="0"/>
           </a:p>
@@ -10541,7 +10541,7 @@
           <a:p>
             <a:fld id="{76E86A4C-8E40-4F87-A4F0-01A0687C5742}" type="datetimeFigureOut">
               <a:rPr lang="en-US" dirty="0"/>
-              <a:t>5/18/2021</a:t>
+              <a:t>5/19/2021</a:t>
             </a:fld>
             <a:endParaRPr lang="en-US" dirty="0"/>
           </a:p>
@@ -11645,7 +11645,7 @@
           <a:p>
             <a:fld id="{35E72C73-2D91-4E12-BA25-F0AA0C03599B}" type="datetimeFigureOut">
               <a:rPr lang="en-US" dirty="0"/>
-              <a:t>5/18/2021</a:t>
+              <a:t>5/19/2021</a:t>
             </a:fld>
             <a:endParaRPr lang="en-US" dirty="0"/>
           </a:p>
@@ -12638,7 +12638,7 @@
           <a:p>
             <a:fld id="{2BE451C3-0FF4-47C4-B829-773ADF60F88C}" type="datetimeFigureOut">
               <a:rPr lang="en-US" dirty="0"/>
-              <a:t>5/18/2021</a:t>
+              <a:t>5/19/2021</a:t>
             </a:fld>
             <a:endParaRPr lang="en-US" dirty="0"/>
           </a:p>
@@ -13199,7 +13199,7 @@
           <p:cNvPr id="2" name="Title 1">
             <a:extLst>
               <a:ext uri="{FF2B5EF4-FFF2-40B4-BE49-F238E27FC236}">
-                <a16:creationId xmlns="" xmlns:a16="http://schemas.microsoft.com/office/drawing/2014/main" id="{21636317-EC45-C244-A3D9-EA8C110D2BF3}"/>
+                <a16:creationId xmlns:a16="http://schemas.microsoft.com/office/drawing/2014/main" xmlns="" id="{21636317-EC45-C244-A3D9-EA8C110D2BF3}"/>
               </a:ext>
             </a:extLst>
           </p:cNvPr>
@@ -13217,7 +13217,7 @@
           <a:p>
             <a:r>
               <a:rPr lang="en-IN" dirty="0" smtClean="0"/>
-              <a:t>Git</a:t>
+              <a:t>Git – A distributed VCS</a:t>
             </a:r>
             <a:endParaRPr lang="en-US" dirty="0"/>
           </a:p>
@@ -13228,7 +13228,7 @@
           <p:cNvPr id="3" name="Subtitle 2">
             <a:extLst>
               <a:ext uri="{FF2B5EF4-FFF2-40B4-BE49-F238E27FC236}">
-                <a16:creationId xmlns="" xmlns:a16="http://schemas.microsoft.com/office/drawing/2014/main" id="{1ACCAD81-8D75-CD4F-A3A2-1EE0DA200391}"/>
+                <a16:creationId xmlns:a16="http://schemas.microsoft.com/office/drawing/2014/main" xmlns="" id="{1ACCAD81-8D75-CD4F-A3A2-1EE0DA200391}"/>
               </a:ext>
             </a:extLst>
           </p:cNvPr>
@@ -13244,7 +13244,23 @@
           <a:bodyPr/>
           <a:lstStyle/>
           <a:p>
-            <a:endParaRPr lang="en-US"/>
+            <a:r>
+              <a:rPr lang="en-US" dirty="0" smtClean="0"/>
+              <a:t>Created by : </a:t>
+            </a:r>
+            <a:r>
+              <a:rPr lang="en-US" dirty="0" err="1" smtClean="0"/>
+              <a:t>ChandresH</a:t>
+            </a:r>
+            <a:r>
+              <a:rPr lang="en-US" dirty="0" smtClean="0"/>
+              <a:t> </a:t>
+            </a:r>
+            <a:r>
+              <a:rPr lang="en-US" dirty="0" err="1" smtClean="0"/>
+              <a:t>Dubey</a:t>
+            </a:r>
+            <a:endParaRPr lang="en-US" dirty="0"/>
           </a:p>
         </p:txBody>
       </p:sp>
@@ -14754,7 +14770,7 @@
           <p:cNvPr id="2" name="Title 1">
             <a:extLst>
               <a:ext uri="{FF2B5EF4-FFF2-40B4-BE49-F238E27FC236}">
-                <a16:creationId xmlns="" xmlns:a16="http://schemas.microsoft.com/office/drawing/2014/main" id="{9BA1904D-3783-564B-8293-3ACF5C93F8BE}"/>
+                <a16:creationId xmlns:a16="http://schemas.microsoft.com/office/drawing/2014/main" xmlns="" id="{9BA1904D-3783-564B-8293-3ACF5C93F8BE}"/>
               </a:ext>
             </a:extLst>
           </p:cNvPr>
@@ -14783,7 +14799,7 @@
           <p:cNvPr id="3" name="Content Placeholder 2">
             <a:extLst>
               <a:ext uri="{FF2B5EF4-FFF2-40B4-BE49-F238E27FC236}">
-                <a16:creationId xmlns="" xmlns:a16="http://schemas.microsoft.com/office/drawing/2014/main" id="{71366C8A-5967-BF47-B1BA-B0D4AA74949F}"/>
+                <a16:creationId xmlns:a16="http://schemas.microsoft.com/office/drawing/2014/main" xmlns="" id="{71366C8A-5967-BF47-B1BA-B0D4AA74949F}"/>
               </a:ext>
             </a:extLst>
           </p:cNvPr>
@@ -16193,7 +16209,7 @@
           <p:cNvPr id="2" name="Title 1">
             <a:extLst>
               <a:ext uri="{FF2B5EF4-FFF2-40B4-BE49-F238E27FC236}">
-                <a16:creationId xmlns="" xmlns:a16="http://schemas.microsoft.com/office/drawing/2014/main" id="{E6BED199-5988-3649-A777-705A2852C012}"/>
+                <a16:creationId xmlns:a16="http://schemas.microsoft.com/office/drawing/2014/main" xmlns="" id="{E6BED199-5988-3649-A777-705A2852C012}"/>
               </a:ext>
             </a:extLst>
           </p:cNvPr>
@@ -16222,7 +16238,7 @@
           <p:cNvPr id="3" name="Content Placeholder 2">
             <a:extLst>
               <a:ext uri="{FF2B5EF4-FFF2-40B4-BE49-F238E27FC236}">
-                <a16:creationId xmlns="" xmlns:a16="http://schemas.microsoft.com/office/drawing/2014/main" id="{ECCCB671-0E58-9841-9F17-CC45A8AFCFC0}"/>
+                <a16:creationId xmlns:a16="http://schemas.microsoft.com/office/drawing/2014/main" xmlns="" id="{ECCCB671-0E58-9841-9F17-CC45A8AFCFC0}"/>
               </a:ext>
             </a:extLst>
           </p:cNvPr>
@@ -16672,7 +16688,7 @@
           <p:cNvPr id="3" name="Content Placeholder 2">
             <a:extLst>
               <a:ext uri="{FF2B5EF4-FFF2-40B4-BE49-F238E27FC236}">
-                <a16:creationId xmlns="" xmlns:a16="http://schemas.microsoft.com/office/drawing/2014/main" id="{ECCCB671-0E58-9841-9F17-CC45A8AFCFC0}"/>
+                <a16:creationId xmlns:a16="http://schemas.microsoft.com/office/drawing/2014/main" xmlns="" id="{ECCCB671-0E58-9841-9F17-CC45A8AFCFC0}"/>
               </a:ext>
             </a:extLst>
           </p:cNvPr>
@@ -17575,7 +17591,7 @@
   <a:extraClrSchemeLst/>
   <a:extLst>
     <a:ext uri="{05A4C25C-085E-4340-85A3-A5531E510DB2}">
-      <thm15:themeFamily xmlns="" xmlns:thm15="http://schemas.microsoft.com/office/thememl/2012/main" name="TF10001029" id="{ED3996BA-162B-43C7-B0E2-A5CA4E649741}" vid="{187088E4-27D7-4455-856F-4A44258D82E2}"/>
+      <thm15:themeFamily xmlns:thm15="http://schemas.microsoft.com/office/thememl/2012/main" xmlns="" name="TF10001029" id="{ED3996BA-162B-43C7-B0E2-A5CA4E649741}" vid="{187088E4-27D7-4455-856F-4A44258D82E2}"/>
     </a:ext>
   </a:extLst>
 </a:theme>
